--- a/slides/Sequence_Quality_Assessment_1.pptx
+++ b/slides/Sequence_Quality_Assessment_1.pptx
@@ -161,7 +161,7 @@
           <a:p>
             <a:fld id="{4B9720D4-D7AF-7847-888A-53A6BBEAF218}" type="datetimeFigureOut">
               <a:rPr lang="en-US" smtClean="0"/>
-              <a:t>18-11-02</a:t>
+              <a:t>18-11-15</a:t>
             </a:fld>
             <a:endParaRPr lang="en-US"/>
           </a:p>
@@ -550,7 +550,7 @@
           <a:p>
             <a:fld id="{4B9720D4-D7AF-7847-888A-53A6BBEAF218}" type="datetimeFigureOut">
               <a:rPr lang="en-US" smtClean="0"/>
-              <a:t>18-11-02</a:t>
+              <a:t>18-11-15</a:t>
             </a:fld>
             <a:endParaRPr lang="en-US"/>
           </a:p>
@@ -779,7 +779,7 @@
                 </a:solidFill>
               </a:rPr>
               <a:pPr/>
-              <a:t>18-11-02</a:t>
+              <a:t>18-11-15</a:t>
             </a:fld>
             <a:endParaRPr lang="sv-SE">
               <a:solidFill>
@@ -1018,7 +1018,7 @@
                 </a:solidFill>
               </a:rPr>
               <a:pPr/>
-              <a:t>18-11-02</a:t>
+              <a:t>18-11-15</a:t>
             </a:fld>
             <a:endParaRPr lang="sv-SE">
               <a:solidFill>
@@ -1464,7 +1464,7 @@
           <a:p>
             <a:fld id="{4B9720D4-D7AF-7847-888A-53A6BBEAF218}" type="datetimeFigureOut">
               <a:rPr lang="en-US" smtClean="0"/>
-              <a:t>18-11-02</a:t>
+              <a:t>18-11-15</a:t>
             </a:fld>
             <a:endParaRPr lang="en-US"/>
           </a:p>
@@ -1647,7 +1647,7 @@
           <a:p>
             <a:fld id="{4B9720D4-D7AF-7847-888A-53A6BBEAF218}" type="datetimeFigureOut">
               <a:rPr lang="en-US" smtClean="0"/>
-              <a:t>18-11-02</a:t>
+              <a:t>18-11-15</a:t>
             </a:fld>
             <a:endParaRPr lang="en-US"/>
           </a:p>
@@ -1942,7 +1942,7 @@
           <a:p>
             <a:fld id="{4B9720D4-D7AF-7847-888A-53A6BBEAF218}" type="datetimeFigureOut">
               <a:rPr lang="en-US" smtClean="0"/>
-              <a:t>18-11-02</a:t>
+              <a:t>18-11-15</a:t>
             </a:fld>
             <a:endParaRPr lang="en-US"/>
           </a:p>
@@ -2047,7 +2047,7 @@
                 </a:solidFill>
               </a:rPr>
               <a:pPr/>
-              <a:t>18-11-02</a:t>
+              <a:t>18-11-15</a:t>
             </a:fld>
             <a:endParaRPr lang="sv-SE" dirty="0">
               <a:solidFill>
@@ -2333,7 +2333,7 @@
           <a:p>
             <a:fld id="{4B9720D4-D7AF-7847-888A-53A6BBEAF218}" type="datetimeFigureOut">
               <a:rPr lang="en-US" smtClean="0"/>
-              <a:t>18-11-02</a:t>
+              <a:t>18-11-15</a:t>
             </a:fld>
             <a:endParaRPr lang="en-US"/>
           </a:p>
@@ -2620,7 +2620,7 @@
           <a:p>
             <a:fld id="{4B9720D4-D7AF-7847-888A-53A6BBEAF218}" type="datetimeFigureOut">
               <a:rPr lang="en-US" smtClean="0"/>
-              <a:t>18-11-02</a:t>
+              <a:t>18-11-15</a:t>
             </a:fld>
             <a:endParaRPr lang="en-US"/>
           </a:p>
@@ -2790,7 +2790,7 @@
           <a:p>
             <a:fld id="{4B9720D4-D7AF-7847-888A-53A6BBEAF218}" type="datetimeFigureOut">
               <a:rPr lang="en-US" smtClean="0"/>
-              <a:t>18-11-02</a:t>
+              <a:t>18-11-15</a:t>
             </a:fld>
             <a:endParaRPr lang="en-US"/>
           </a:p>
@@ -2910,7 +2910,7 @@
                 </a:solidFill>
               </a:rPr>
               <a:pPr/>
-              <a:t>18-11-02</a:t>
+              <a:t>18-11-15</a:t>
             </a:fld>
             <a:endParaRPr lang="sv-SE" dirty="0">
               <a:solidFill>
@@ -3161,7 +3161,7 @@
           <a:p>
             <a:fld id="{4B9720D4-D7AF-7847-888A-53A6BBEAF218}" type="datetimeFigureOut">
               <a:rPr lang="en-US" smtClean="0"/>
-              <a:t>18-11-02</a:t>
+              <a:t>18-11-15</a:t>
             </a:fld>
             <a:endParaRPr lang="en-US"/>
           </a:p>
@@ -3265,7 +3265,7 @@
             <a:fld id="{39D94CFA-45CE-584A-8B62-052D61CCBF25}" type="datetime1">
               <a:rPr lang="sv-SE" smtClean="0"/>
               <a:pPr/>
-              <a:t>18-11-02</a:t>
+              <a:t>18-11-15</a:t>
             </a:fld>
             <a:endParaRPr lang="sv-SE"/>
           </a:p>
@@ -3481,7 +3481,7 @@
             <a:fld id="{39D94CFA-45CE-584A-8B62-052D61CCBF25}" type="datetime1">
               <a:rPr lang="sv-SE" smtClean="0"/>
               <a:pPr/>
-              <a:t>18-11-02</a:t>
+              <a:t>18-11-15</a:t>
             </a:fld>
             <a:endParaRPr lang="sv-SE"/>
           </a:p>
@@ -3894,7 +3894,7 @@
                 </a:solidFill>
               </a:rPr>
               <a:pPr/>
-              <a:t>18-11-02</a:t>
+              <a:t>18-11-15</a:t>
             </a:fld>
             <a:endParaRPr lang="sv-SE">
               <a:solidFill>
@@ -4133,7 +4133,7 @@
                 </a:solidFill>
               </a:rPr>
               <a:pPr/>
-              <a:t>18-11-02</a:t>
+              <a:t>18-11-15</a:t>
             </a:fld>
             <a:endParaRPr lang="sv-SE">
               <a:solidFill>
@@ -4629,7 +4629,7 @@
           <a:p>
             <a:fld id="{4B9720D4-D7AF-7847-888A-53A6BBEAF218}" type="datetimeFigureOut">
               <a:rPr lang="en-US" smtClean="0"/>
-              <a:t>18-11-02</a:t>
+              <a:t>18-11-15</a:t>
             </a:fld>
             <a:endParaRPr lang="en-US"/>
           </a:p>
@@ -4742,7 +4742,7 @@
           <a:p>
             <a:fld id="{4B9720D4-D7AF-7847-888A-53A6BBEAF218}" type="datetimeFigureOut">
               <a:rPr lang="en-US" smtClean="0"/>
-              <a:t>18-11-02</a:t>
+              <a:t>18-11-15</a:t>
             </a:fld>
             <a:endParaRPr lang="en-US"/>
           </a:p>
@@ -4979,7 +4979,7 @@
           <a:p>
             <a:fld id="{4B9720D4-D7AF-7847-888A-53A6BBEAF218}" type="datetimeFigureOut">
               <a:rPr lang="en-US" smtClean="0"/>
-              <a:t>18-11-02</a:t>
+              <a:t>18-11-15</a:t>
             </a:fld>
             <a:endParaRPr lang="en-US"/>
           </a:p>
@@ -5075,7 +5075,7 @@
             <a:fld id="{39D94CFA-45CE-584A-8B62-052D61CCBF25}" type="datetime1">
               <a:rPr lang="sv-SE" smtClean="0"/>
               <a:pPr/>
-              <a:t>18-11-02</a:t>
+              <a:t>18-11-15</a:t>
             </a:fld>
             <a:endParaRPr lang="sv-SE"/>
           </a:p>
@@ -5291,7 +5291,7 @@
             <a:fld id="{39D94CFA-45CE-584A-8B62-052D61CCBF25}" type="datetime1">
               <a:rPr lang="sv-SE" smtClean="0"/>
               <a:pPr/>
-              <a:t>18-11-02</a:t>
+              <a:t>18-11-15</a:t>
             </a:fld>
             <a:endParaRPr lang="sv-SE"/>
           </a:p>
@@ -5720,7 +5720,7 @@
           <a:p>
             <a:fld id="{4B9720D4-D7AF-7847-888A-53A6BBEAF218}" type="datetimeFigureOut">
               <a:rPr lang="en-US" smtClean="0"/>
-              <a:t>18-11-02</a:t>
+              <a:t>18-11-15</a:t>
             </a:fld>
             <a:endParaRPr lang="en-US"/>
           </a:p>
@@ -5903,7 +5903,7 @@
           <a:p>
             <a:fld id="{4B9720D4-D7AF-7847-888A-53A6BBEAF218}" type="datetimeFigureOut">
               <a:rPr lang="en-US" smtClean="0"/>
-              <a:t>18-11-02</a:t>
+              <a:t>18-11-15</a:t>
             </a:fld>
             <a:endParaRPr lang="en-US"/>
           </a:p>
@@ -6124,7 +6124,7 @@
           <a:p>
             <a:fld id="{4B9720D4-D7AF-7847-888A-53A6BBEAF218}" type="datetimeFigureOut">
               <a:rPr lang="en-US" smtClean="0"/>
-              <a:t>18-11-02</a:t>
+              <a:t>18-11-15</a:t>
             </a:fld>
             <a:endParaRPr lang="en-US"/>
           </a:p>
@@ -6721,7 +6721,7 @@
             <a:fld id="{87D81263-415E-F842-A2D0-D498F08AEC56}" type="datetime1">
               <a:rPr lang="sv-SE" smtClean="0"/>
               <a:pPr/>
-              <a:t>18-11-02</a:t>
+              <a:t>18-11-15</a:t>
             </a:fld>
             <a:endParaRPr lang="sv-SE" dirty="0"/>
           </a:p>
@@ -7750,7 +7750,7 @@
                 </a:solidFill>
               </a:rPr>
               <a:pPr/>
-              <a:t>18-11-02</a:t>
+              <a:t>18-11-15</a:t>
             </a:fld>
             <a:endParaRPr lang="sv-SE" dirty="0">
               <a:solidFill>
@@ -8328,7 +8328,7 @@
           <a:p>
             <a:fld id="{4B9720D4-D7AF-7847-888A-53A6BBEAF218}" type="datetimeFigureOut">
               <a:rPr lang="en-US" smtClean="0"/>
-              <a:t>18-11-02</a:t>
+              <a:t>18-11-15</a:t>
             </a:fld>
             <a:endParaRPr lang="en-US"/>
           </a:p>
@@ -8925,7 +8925,7 @@
             <a:fld id="{87D81263-415E-F842-A2D0-D498F08AEC56}" type="datetime1">
               <a:rPr lang="sv-SE" smtClean="0"/>
               <a:pPr/>
-              <a:t>18-11-02</a:t>
+              <a:t>18-11-15</a:t>
             </a:fld>
             <a:endParaRPr lang="sv-SE" dirty="0"/>
           </a:p>
@@ -9951,7 +9951,7 @@
                 </a:solidFill>
               </a:rPr>
               <a:pPr/>
-              <a:t>18-11-02</a:t>
+              <a:t>18-11-15</a:t>
             </a:fld>
             <a:endParaRPr lang="sv-SE" dirty="0">
               <a:solidFill>
@@ -10602,17 +10602,8 @@
           <a:p>
             <a:r>
               <a:rPr lang="en-US" dirty="0" smtClean="0"/>
-              <a:t>Too </a:t>
-            </a:r>
-            <a:r>
-              <a:rPr lang="en-US" dirty="0" smtClean="0"/>
-              <a:t>much </a:t>
-            </a:r>
-            <a:r>
-              <a:rPr lang="en-US" dirty="0" smtClean="0"/>
-              <a:t>data:</a:t>
-            </a:r>
-            <a:endParaRPr lang="en-US" dirty="0" smtClean="0"/>
+              <a:t>Too much data:</a:t>
+            </a:r>
           </a:p>
           <a:p>
             <a:pPr lvl="1"/>
@@ -10625,27 +10616,14 @@
             <a:pPr lvl="1"/>
             <a:r>
               <a:rPr lang="en-US" dirty="0" smtClean="0"/>
-              <a:t>Increased </a:t>
-            </a:r>
+              <a:t>Increased computation time and resources.</a:t>
+            </a:r>
+          </a:p>
+          <a:p>
+            <a:pPr lvl="1"/>
             <a:r>
               <a:rPr lang="en-US" dirty="0" smtClean="0"/>
-              <a:t>computation time and </a:t>
-            </a:r>
-            <a:r>
-              <a:rPr lang="en-US" dirty="0" smtClean="0"/>
-              <a:t>resources.</a:t>
-            </a:r>
-            <a:endParaRPr lang="en-US" dirty="0" smtClean="0"/>
-          </a:p>
-          <a:p>
-            <a:pPr lvl="1"/>
-            <a:r>
-              <a:rPr lang="en-US" dirty="0" smtClean="0"/>
-              <a:t>Assemblies </a:t>
-            </a:r>
-            <a:r>
-              <a:rPr lang="en-US" dirty="0" smtClean="0"/>
-              <a:t>become more fragmented and inaccurate. </a:t>
+              <a:t>Assemblies become more fragmented and inaccurate. </a:t>
             </a:r>
           </a:p>
         </p:txBody>
@@ -11973,12 +11951,16 @@
           <a:lstStyle/>
           <a:p>
             <a:r>
+              <a:rPr lang="en-US" smtClean="0"/>
+              <a:t>Short </a:t>
+            </a:r>
+            <a:r>
+              <a:rPr lang="en-US" smtClean="0"/>
+              <a:t>reads (easy):</a:t>
+            </a:r>
+            <a:r>
               <a:rPr lang="en-US" dirty="0" smtClean="0"/>
-              <a:t>Short reads (easy)</a:t>
-            </a:r>
-            <a:r>
-              <a:rPr lang="en-US" dirty="0" smtClean="0"/>
-              <a:t>:</a:t>
+              <a:t/>
             </a:r>
             <a:br>
               <a:rPr lang="en-US" dirty="0" smtClean="0"/>
@@ -12448,15 +12430,7 @@
           <a:p>
             <a:r>
               <a:rPr lang="en-US" dirty="0" smtClean="0"/>
-              <a:t>Long </a:t>
-            </a:r>
-            <a:r>
-              <a:rPr lang="en-US" dirty="0" smtClean="0"/>
-              <a:t>reads (trickier)</a:t>
-            </a:r>
-            <a:r>
-              <a:rPr lang="en-US" dirty="0" smtClean="0"/>
-              <a:t>:</a:t>
+              <a:t>Long reads (trickier):</a:t>
             </a:r>
           </a:p>
           <a:p>
@@ -12469,21 +12443,7 @@
                 <a:latin typeface="+mn-lt"/>
                 <a:cs typeface="Courier"/>
               </a:rPr>
-              <a:t>Want </a:t>
-            </a:r>
-            <a:r>
-              <a:rPr lang="en-US" dirty="0" smtClean="0">
-                <a:latin typeface="+mn-lt"/>
-                <a:cs typeface="Courier"/>
-              </a:rPr>
-              <a:t>longest reads for </a:t>
-            </a:r>
-            <a:r>
-              <a:rPr lang="en-US" dirty="0" smtClean="0">
-                <a:latin typeface="+mn-lt"/>
-                <a:cs typeface="Courier"/>
-              </a:rPr>
-              <a:t>contiguity.</a:t>
+              <a:t>Want longest reads for contiguity.</a:t>
             </a:r>
           </a:p>
           <a:p>
@@ -12500,14 +12460,7 @@
                 <a:latin typeface="+mn-lt"/>
                 <a:cs typeface="Courier"/>
               </a:rPr>
-              <a:t>Want shortest reads for even coverage </a:t>
-            </a:r>
-            <a:r>
-              <a:rPr lang="en-US" dirty="0" smtClean="0">
-                <a:latin typeface="+mn-lt"/>
-                <a:cs typeface="Courier"/>
-              </a:rPr>
-              <a:t>(consensus accuracy).</a:t>
+              <a:t>Want shortest reads for even coverage (consensus accuracy).</a:t>
             </a:r>
           </a:p>
           <a:p>
@@ -13562,7 +13515,6 @@
               <a:rPr lang="en-US" sz="2800" dirty="0"/>
               <a:t>/wiki</a:t>
             </a:r>
-            <a:endParaRPr lang="en-US" sz="2800" dirty="0"/>
           </a:p>
         </p:txBody>
       </p:sp>
@@ -13638,13 +13590,8 @@
           <a:p>
             <a:r>
               <a:rPr lang="en-US" sz="2800" dirty="0" smtClean="0"/>
-              <a:t>The number of times each base in the genome is covered by a read</a:t>
-            </a:r>
-            <a:r>
-              <a:rPr lang="en-US" sz="2800" dirty="0" smtClean="0"/>
-              <a:t>.</a:t>
-            </a:r>
-            <a:endParaRPr lang="en-US" sz="2800" dirty="0" smtClean="0"/>
+              <a:t>The number of times each base in the genome is covered by a read.</a:t>
+            </a:r>
           </a:p>
         </p:txBody>
       </p:sp>
@@ -13813,11 +13760,7 @@
           <a:p>
             <a:r>
               <a:rPr lang="en-US" sz="2800" dirty="0" smtClean="0"/>
-              <a:t>Coverage </a:t>
-            </a:r>
-            <a:r>
-              <a:rPr lang="en-US" sz="2800" dirty="0" smtClean="0"/>
-              <a:t>= Number of bases sequenced / Estimated genome size</a:t>
+              <a:t>Coverage = Number of bases sequenced / Estimated genome size</a:t>
             </a:r>
           </a:p>
         </p:txBody>
@@ -13922,8 +13865,17 @@
           <a:p>
             <a:r>
               <a:rPr lang="en-US" dirty="0" smtClean="0"/>
-              <a:t>Third party scripts</a:t>
-            </a:r>
+              <a:t>Other third </a:t>
+            </a:r>
+            <a:r>
+              <a:rPr lang="en-US" dirty="0" smtClean="0"/>
+              <a:t>party </a:t>
+            </a:r>
+            <a:r>
+              <a:rPr lang="en-US" dirty="0" smtClean="0"/>
+              <a:t>tools</a:t>
+            </a:r>
+            <a:endParaRPr lang="en-US" dirty="0" smtClean="0"/>
           </a:p>
           <a:p>
             <a:pPr lvl="1"/>
